--- a/documents/gui/prototype.pptx
+++ b/documents/gui/prototype.pptx
@@ -3211,331 +3211,409 @@
           </a:p>
         </p:txBody>
       </p:sp>
-      <p:sp>
-        <p:nvSpPr>
-          <p:cNvPr id="13" name="Rektangel 12"/>
-          <p:cNvSpPr/>
+      <p:grpSp>
+        <p:nvGrpSpPr>
+          <p:cNvPr id="22" name="Grupp 21"/>
+          <p:cNvGrpSpPr/>
           <p:nvPr/>
-        </p:nvSpPr>
-        <p:spPr>
+        </p:nvGrpSpPr>
+        <p:grpSpPr>
           <a:xfrm>
-            <a:off x="1234683" y="2328134"/>
-            <a:ext cx="5385567" cy="2528024"/>
+            <a:off x="149210" y="1064122"/>
+            <a:ext cx="5386034" cy="2528024"/>
+            <a:chOff x="1234216" y="2328134"/>
+            <a:chExt cx="5386034" cy="2528024"/>
           </a:xfrm>
-          <a:prstGeom prst="rect">
-            <a:avLst/>
-          </a:prstGeom>
-        </p:spPr>
-        <p:style>
-          <a:lnRef idx="1">
-            <a:schemeClr val="dk1"/>
-          </a:lnRef>
-          <a:fillRef idx="2">
-            <a:schemeClr val="dk1"/>
-          </a:fillRef>
-          <a:effectRef idx="1">
-            <a:schemeClr val="dk1"/>
-          </a:effectRef>
-          <a:fontRef idx="minor">
-            <a:schemeClr val="dk1"/>
-          </a:fontRef>
-        </p:style>
-        <p:txBody>
-          <a:bodyPr rtlCol="0" anchor="ctr"/>
-          <a:lstStyle/>
-          <a:p>
-            <a:pPr algn="ctr"/>
-            <a:endParaRPr lang="sv-SE"/>
-          </a:p>
-        </p:txBody>
-      </p:sp>
-      <p:sp>
-        <p:nvSpPr>
-          <p:cNvPr id="14" name="Rektangel 13"/>
-          <p:cNvSpPr/>
-          <p:nvPr/>
-        </p:nvSpPr>
-        <p:spPr>
-          <a:xfrm>
-            <a:off x="1234683" y="2328134"/>
-            <a:ext cx="5385567" cy="578816"/>
-          </a:xfrm>
-          <a:prstGeom prst="rect">
-            <a:avLst/>
-          </a:prstGeom>
-        </p:spPr>
-        <p:style>
-          <a:lnRef idx="2">
-            <a:schemeClr val="accent1">
-              <a:shade val="50000"/>
-            </a:schemeClr>
-          </a:lnRef>
-          <a:fillRef idx="1">
-            <a:schemeClr val="accent1"/>
-          </a:fillRef>
-          <a:effectRef idx="0">
-            <a:schemeClr val="accent1"/>
-          </a:effectRef>
-          <a:fontRef idx="minor">
-            <a:schemeClr val="lt1"/>
-          </a:fontRef>
-        </p:style>
-        <p:txBody>
-          <a:bodyPr rtlCol="0" anchor="ctr"/>
-          <a:lstStyle/>
-          <a:p>
-            <a:r>
-              <a:rPr lang="en-US" dirty="0" smtClean="0"/>
-              <a:t>Time entries</a:t>
-            </a:r>
-          </a:p>
-        </p:txBody>
-      </p:sp>
-      <p:sp>
-        <p:nvSpPr>
-          <p:cNvPr id="15" name="Rektangel 14"/>
-          <p:cNvSpPr/>
-          <p:nvPr/>
-        </p:nvSpPr>
-        <p:spPr>
-          <a:xfrm>
-            <a:off x="1234683" y="2895192"/>
-            <a:ext cx="999504" cy="408877"/>
-          </a:xfrm>
-          <a:prstGeom prst="rect">
-            <a:avLst/>
-          </a:prstGeom>
-        </p:spPr>
-        <p:style>
-          <a:lnRef idx="1">
-            <a:schemeClr val="accent1"/>
-          </a:lnRef>
-          <a:fillRef idx="3">
-            <a:schemeClr val="accent1"/>
-          </a:fillRef>
-          <a:effectRef idx="2">
-            <a:schemeClr val="accent1"/>
-          </a:effectRef>
-          <a:fontRef idx="minor">
-            <a:schemeClr val="lt1"/>
-          </a:fontRef>
-        </p:style>
-        <p:txBody>
-          <a:bodyPr rtlCol="0" anchor="ctr"/>
-          <a:lstStyle/>
-          <a:p>
-            <a:pPr algn="ctr"/>
-            <a:r>
-              <a:rPr lang="sv-SE" dirty="0" smtClean="0"/>
-              <a:t>Start</a:t>
-            </a:r>
-            <a:endParaRPr lang="sv-SE" dirty="0"/>
-          </a:p>
-        </p:txBody>
-      </p:sp>
-      <p:sp>
-        <p:nvSpPr>
-          <p:cNvPr id="16" name="Rektangel 15"/>
-          <p:cNvSpPr/>
-          <p:nvPr/>
-        </p:nvSpPr>
-        <p:spPr>
-          <a:xfrm>
-            <a:off x="2234187" y="2895192"/>
-            <a:ext cx="999504" cy="408877"/>
-          </a:xfrm>
-          <a:prstGeom prst="rect">
-            <a:avLst/>
-          </a:prstGeom>
-        </p:spPr>
-        <p:style>
-          <a:lnRef idx="1">
-            <a:schemeClr val="accent1"/>
-          </a:lnRef>
-          <a:fillRef idx="3">
-            <a:schemeClr val="accent1"/>
-          </a:fillRef>
-          <a:effectRef idx="2">
-            <a:schemeClr val="accent1"/>
-          </a:effectRef>
-          <a:fontRef idx="minor">
-            <a:schemeClr val="lt1"/>
-          </a:fontRef>
-        </p:style>
-        <p:txBody>
-          <a:bodyPr rtlCol="0" anchor="ctr"/>
-          <a:lstStyle/>
-          <a:p>
-            <a:pPr algn="ctr"/>
-            <a:r>
-              <a:rPr lang="sv-SE" dirty="0" smtClean="0"/>
-              <a:t>Stop</a:t>
-            </a:r>
-          </a:p>
-        </p:txBody>
-      </p:sp>
-      <p:sp>
-        <p:nvSpPr>
-          <p:cNvPr id="17" name="Rektangel 16"/>
-          <p:cNvSpPr/>
-          <p:nvPr/>
-        </p:nvSpPr>
-        <p:spPr>
-          <a:xfrm>
-            <a:off x="3233690" y="2895192"/>
-            <a:ext cx="3386559" cy="408877"/>
-          </a:xfrm>
-          <a:prstGeom prst="rect">
-            <a:avLst/>
-          </a:prstGeom>
-        </p:spPr>
-        <p:style>
-          <a:lnRef idx="1">
-            <a:schemeClr val="accent1"/>
-          </a:lnRef>
-          <a:fillRef idx="3">
-            <a:schemeClr val="accent1"/>
-          </a:fillRef>
-          <a:effectRef idx="2">
-            <a:schemeClr val="accent1"/>
-          </a:effectRef>
-          <a:fontRef idx="minor">
-            <a:schemeClr val="lt1"/>
-          </a:fontRef>
-        </p:style>
-        <p:txBody>
-          <a:bodyPr rtlCol="0" anchor="ctr"/>
-          <a:lstStyle/>
-          <a:p>
-            <a:pPr algn="ctr"/>
-            <a:r>
-              <a:rPr lang="sv-SE" dirty="0" smtClean="0"/>
-              <a:t>Project</a:t>
-            </a:r>
-          </a:p>
-        </p:txBody>
-      </p:sp>
-      <p:sp>
-        <p:nvSpPr>
-          <p:cNvPr id="18" name="Rektangel 17"/>
-          <p:cNvSpPr/>
-          <p:nvPr/>
-        </p:nvSpPr>
-        <p:spPr>
-          <a:xfrm>
-            <a:off x="1234216" y="3329784"/>
-            <a:ext cx="999504" cy="408877"/>
-          </a:xfrm>
-          <a:prstGeom prst="rect">
-            <a:avLst/>
-          </a:prstGeom>
-        </p:spPr>
-        <p:style>
-          <a:lnRef idx="1">
-            <a:schemeClr val="dk1"/>
-          </a:lnRef>
-          <a:fillRef idx="2">
-            <a:schemeClr val="dk1"/>
-          </a:fillRef>
-          <a:effectRef idx="1">
-            <a:schemeClr val="dk1"/>
-          </a:effectRef>
-          <a:fontRef idx="minor">
-            <a:schemeClr val="dk1"/>
-          </a:fontRef>
-        </p:style>
-        <p:txBody>
-          <a:bodyPr rtlCol="0" anchor="ctr"/>
-          <a:lstStyle/>
-          <a:p>
-            <a:r>
-              <a:rPr lang="sv-SE" dirty="0" smtClean="0"/>
-              <a:t>10:00</a:t>
-            </a:r>
-            <a:endParaRPr lang="sv-SE" dirty="0"/>
-          </a:p>
-        </p:txBody>
-      </p:sp>
-      <p:sp>
-        <p:nvSpPr>
-          <p:cNvPr id="19" name="Rektangel 18"/>
-          <p:cNvSpPr/>
-          <p:nvPr/>
-        </p:nvSpPr>
-        <p:spPr>
-          <a:xfrm>
-            <a:off x="2233720" y="3329784"/>
-            <a:ext cx="999504" cy="408877"/>
-          </a:xfrm>
-          <a:prstGeom prst="rect">
-            <a:avLst/>
-          </a:prstGeom>
-        </p:spPr>
-        <p:style>
-          <a:lnRef idx="1">
-            <a:schemeClr val="dk1"/>
-          </a:lnRef>
-          <a:fillRef idx="2">
-            <a:schemeClr val="dk1"/>
-          </a:fillRef>
-          <a:effectRef idx="1">
-            <a:schemeClr val="dk1"/>
-          </a:effectRef>
-          <a:fontRef idx="minor">
-            <a:schemeClr val="dk1"/>
-          </a:fontRef>
-        </p:style>
-        <p:txBody>
-          <a:bodyPr rtlCol="0" anchor="ctr"/>
-          <a:lstStyle/>
-          <a:p>
-            <a:r>
-              <a:rPr lang="sv-SE" dirty="0" smtClean="0"/>
-              <a:t>12:30</a:t>
-            </a:r>
-          </a:p>
-        </p:txBody>
-      </p:sp>
-      <p:sp>
-        <p:nvSpPr>
-          <p:cNvPr id="20" name="Rektangel 19"/>
-          <p:cNvSpPr/>
-          <p:nvPr/>
-        </p:nvSpPr>
-        <p:spPr>
-          <a:xfrm>
-            <a:off x="3233223" y="3329784"/>
-            <a:ext cx="3386559" cy="408877"/>
-          </a:xfrm>
-          <a:prstGeom prst="rect">
-            <a:avLst/>
-          </a:prstGeom>
-        </p:spPr>
-        <p:style>
-          <a:lnRef idx="1">
-            <a:schemeClr val="dk1"/>
-          </a:lnRef>
-          <a:fillRef idx="2">
-            <a:schemeClr val="dk1"/>
-          </a:fillRef>
-          <a:effectRef idx="1">
-            <a:schemeClr val="dk1"/>
-          </a:effectRef>
-          <a:fontRef idx="minor">
-            <a:schemeClr val="dk1"/>
-          </a:fontRef>
-        </p:style>
-        <p:txBody>
-          <a:bodyPr rtlCol="0" anchor="ctr"/>
-          <a:lstStyle/>
-          <a:p>
-            <a:r>
-              <a:rPr lang="sv-SE" dirty="0" smtClean="0"/>
-              <a:t>Project X</a:t>
-            </a:r>
-          </a:p>
-        </p:txBody>
-      </p:sp>
+        </p:grpSpPr>
+        <p:sp>
+          <p:nvSpPr>
+            <p:cNvPr id="13" name="Rektangel 12"/>
+            <p:cNvSpPr/>
+            <p:nvPr/>
+          </p:nvSpPr>
+          <p:spPr>
+            <a:xfrm>
+              <a:off x="1234683" y="2328134"/>
+              <a:ext cx="5385567" cy="2528024"/>
+            </a:xfrm>
+            <a:prstGeom prst="rect">
+              <a:avLst/>
+            </a:prstGeom>
+          </p:spPr>
+          <p:style>
+            <a:lnRef idx="1">
+              <a:schemeClr val="dk1"/>
+            </a:lnRef>
+            <a:fillRef idx="2">
+              <a:schemeClr val="dk1"/>
+            </a:fillRef>
+            <a:effectRef idx="1">
+              <a:schemeClr val="dk1"/>
+            </a:effectRef>
+            <a:fontRef idx="minor">
+              <a:schemeClr val="dk1"/>
+            </a:fontRef>
+          </p:style>
+          <p:txBody>
+            <a:bodyPr rtlCol="0" anchor="ctr"/>
+            <a:lstStyle/>
+            <a:p>
+              <a:pPr algn="ctr"/>
+              <a:endParaRPr lang="sv-SE"/>
+            </a:p>
+          </p:txBody>
+        </p:sp>
+        <p:sp>
+          <p:nvSpPr>
+            <p:cNvPr id="14" name="Rektangel 13"/>
+            <p:cNvSpPr/>
+            <p:nvPr/>
+          </p:nvSpPr>
+          <p:spPr>
+            <a:xfrm>
+              <a:off x="1234683" y="2328134"/>
+              <a:ext cx="5385567" cy="578816"/>
+            </a:xfrm>
+            <a:prstGeom prst="rect">
+              <a:avLst/>
+            </a:prstGeom>
+          </p:spPr>
+          <p:style>
+            <a:lnRef idx="2">
+              <a:schemeClr val="accent1">
+                <a:shade val="50000"/>
+              </a:schemeClr>
+            </a:lnRef>
+            <a:fillRef idx="1">
+              <a:schemeClr val="accent1"/>
+            </a:fillRef>
+            <a:effectRef idx="0">
+              <a:schemeClr val="accent1"/>
+            </a:effectRef>
+            <a:fontRef idx="minor">
+              <a:schemeClr val="lt1"/>
+            </a:fontRef>
+          </p:style>
+          <p:txBody>
+            <a:bodyPr rtlCol="0" anchor="ctr"/>
+            <a:lstStyle/>
+            <a:p>
+              <a:r>
+                <a:rPr lang="en-US" dirty="0" smtClean="0"/>
+                <a:t>Time entries</a:t>
+              </a:r>
+            </a:p>
+          </p:txBody>
+        </p:sp>
+        <p:sp>
+          <p:nvSpPr>
+            <p:cNvPr id="15" name="Rektangel 14"/>
+            <p:cNvSpPr/>
+            <p:nvPr/>
+          </p:nvSpPr>
+          <p:spPr>
+            <a:xfrm>
+              <a:off x="1234683" y="2895192"/>
+              <a:ext cx="999504" cy="408877"/>
+            </a:xfrm>
+            <a:prstGeom prst="rect">
+              <a:avLst/>
+            </a:prstGeom>
+          </p:spPr>
+          <p:style>
+            <a:lnRef idx="1">
+              <a:schemeClr val="accent1"/>
+            </a:lnRef>
+            <a:fillRef idx="3">
+              <a:schemeClr val="accent1"/>
+            </a:fillRef>
+            <a:effectRef idx="2">
+              <a:schemeClr val="accent1"/>
+            </a:effectRef>
+            <a:fontRef idx="minor">
+              <a:schemeClr val="lt1"/>
+            </a:fontRef>
+          </p:style>
+          <p:txBody>
+            <a:bodyPr rtlCol="0" anchor="ctr"/>
+            <a:lstStyle/>
+            <a:p>
+              <a:pPr algn="ctr"/>
+              <a:r>
+                <a:rPr lang="sv-SE" dirty="0" smtClean="0"/>
+                <a:t>Start</a:t>
+              </a:r>
+              <a:endParaRPr lang="sv-SE" dirty="0"/>
+            </a:p>
+          </p:txBody>
+        </p:sp>
+        <p:sp>
+          <p:nvSpPr>
+            <p:cNvPr id="16" name="Rektangel 15"/>
+            <p:cNvSpPr/>
+            <p:nvPr/>
+          </p:nvSpPr>
+          <p:spPr>
+            <a:xfrm>
+              <a:off x="2234187" y="2895192"/>
+              <a:ext cx="999504" cy="408877"/>
+            </a:xfrm>
+            <a:prstGeom prst="rect">
+              <a:avLst/>
+            </a:prstGeom>
+          </p:spPr>
+          <p:style>
+            <a:lnRef idx="1">
+              <a:schemeClr val="accent1"/>
+            </a:lnRef>
+            <a:fillRef idx="3">
+              <a:schemeClr val="accent1"/>
+            </a:fillRef>
+            <a:effectRef idx="2">
+              <a:schemeClr val="accent1"/>
+            </a:effectRef>
+            <a:fontRef idx="minor">
+              <a:schemeClr val="lt1"/>
+            </a:fontRef>
+          </p:style>
+          <p:txBody>
+            <a:bodyPr rtlCol="0" anchor="ctr"/>
+            <a:lstStyle/>
+            <a:p>
+              <a:pPr algn="ctr"/>
+              <a:r>
+                <a:rPr lang="sv-SE" dirty="0" smtClean="0"/>
+                <a:t>Stop</a:t>
+              </a:r>
+            </a:p>
+          </p:txBody>
+        </p:sp>
+        <p:sp>
+          <p:nvSpPr>
+            <p:cNvPr id="17" name="Rektangel 16"/>
+            <p:cNvSpPr/>
+            <p:nvPr/>
+          </p:nvSpPr>
+          <p:spPr>
+            <a:xfrm>
+              <a:off x="3233690" y="2895192"/>
+              <a:ext cx="3386559" cy="408877"/>
+            </a:xfrm>
+            <a:prstGeom prst="rect">
+              <a:avLst/>
+            </a:prstGeom>
+          </p:spPr>
+          <p:style>
+            <a:lnRef idx="1">
+              <a:schemeClr val="accent1"/>
+            </a:lnRef>
+            <a:fillRef idx="3">
+              <a:schemeClr val="accent1"/>
+            </a:fillRef>
+            <a:effectRef idx="2">
+              <a:schemeClr val="accent1"/>
+            </a:effectRef>
+            <a:fontRef idx="minor">
+              <a:schemeClr val="lt1"/>
+            </a:fontRef>
+          </p:style>
+          <p:txBody>
+            <a:bodyPr rtlCol="0" anchor="ctr"/>
+            <a:lstStyle/>
+            <a:p>
+              <a:pPr algn="ctr"/>
+              <a:r>
+                <a:rPr lang="sv-SE" dirty="0" smtClean="0"/>
+                <a:t>Project</a:t>
+              </a:r>
+            </a:p>
+          </p:txBody>
+        </p:sp>
+        <p:sp>
+          <p:nvSpPr>
+            <p:cNvPr id="18" name="Rektangel 17"/>
+            <p:cNvSpPr/>
+            <p:nvPr/>
+          </p:nvSpPr>
+          <p:spPr>
+            <a:xfrm>
+              <a:off x="1234216" y="3329784"/>
+              <a:ext cx="999504" cy="408877"/>
+            </a:xfrm>
+            <a:prstGeom prst="rect">
+              <a:avLst/>
+            </a:prstGeom>
+          </p:spPr>
+          <p:style>
+            <a:lnRef idx="1">
+              <a:schemeClr val="dk1"/>
+            </a:lnRef>
+            <a:fillRef idx="2">
+              <a:schemeClr val="dk1"/>
+            </a:fillRef>
+            <a:effectRef idx="1">
+              <a:schemeClr val="dk1"/>
+            </a:effectRef>
+            <a:fontRef idx="minor">
+              <a:schemeClr val="dk1"/>
+            </a:fontRef>
+          </p:style>
+          <p:txBody>
+            <a:bodyPr rtlCol="0" anchor="ctr"/>
+            <a:lstStyle/>
+            <a:p>
+              <a:r>
+                <a:rPr lang="sv-SE" dirty="0" smtClean="0"/>
+                <a:t>10:00</a:t>
+              </a:r>
+              <a:endParaRPr lang="sv-SE" dirty="0"/>
+            </a:p>
+          </p:txBody>
+        </p:sp>
+        <p:sp>
+          <p:nvSpPr>
+            <p:cNvPr id="19" name="Rektangel 18"/>
+            <p:cNvSpPr/>
+            <p:nvPr/>
+          </p:nvSpPr>
+          <p:spPr>
+            <a:xfrm>
+              <a:off x="2233720" y="3329784"/>
+              <a:ext cx="999504" cy="408877"/>
+            </a:xfrm>
+            <a:prstGeom prst="rect">
+              <a:avLst/>
+            </a:prstGeom>
+          </p:spPr>
+          <p:style>
+            <a:lnRef idx="1">
+              <a:schemeClr val="dk1"/>
+            </a:lnRef>
+            <a:fillRef idx="2">
+              <a:schemeClr val="dk1"/>
+            </a:fillRef>
+            <a:effectRef idx="1">
+              <a:schemeClr val="dk1"/>
+            </a:effectRef>
+            <a:fontRef idx="minor">
+              <a:schemeClr val="dk1"/>
+            </a:fontRef>
+          </p:style>
+          <p:txBody>
+            <a:bodyPr rtlCol="0" anchor="ctr"/>
+            <a:lstStyle/>
+            <a:p>
+              <a:r>
+                <a:rPr lang="sv-SE" dirty="0" smtClean="0"/>
+                <a:t>12:30</a:t>
+              </a:r>
+            </a:p>
+          </p:txBody>
+        </p:sp>
+        <p:sp>
+          <p:nvSpPr>
+            <p:cNvPr id="20" name="Rektangel 19"/>
+            <p:cNvSpPr/>
+            <p:nvPr/>
+          </p:nvSpPr>
+          <p:spPr>
+            <a:xfrm>
+              <a:off x="3233223" y="3329784"/>
+              <a:ext cx="3386559" cy="408877"/>
+            </a:xfrm>
+            <a:prstGeom prst="rect">
+              <a:avLst/>
+            </a:prstGeom>
+          </p:spPr>
+          <p:style>
+            <a:lnRef idx="1">
+              <a:schemeClr val="dk1"/>
+            </a:lnRef>
+            <a:fillRef idx="2">
+              <a:schemeClr val="dk1"/>
+            </a:fillRef>
+            <a:effectRef idx="1">
+              <a:schemeClr val="dk1"/>
+            </a:effectRef>
+            <a:fontRef idx="minor">
+              <a:schemeClr val="dk1"/>
+            </a:fontRef>
+          </p:style>
+          <p:txBody>
+            <a:bodyPr rtlCol="0" anchor="ctr"/>
+            <a:lstStyle/>
+            <a:p>
+              <a:r>
+                <a:rPr lang="sv-SE" dirty="0" smtClean="0"/>
+                <a:t>Project X</a:t>
+              </a:r>
+            </a:p>
+          </p:txBody>
+        </p:sp>
+        <p:sp>
+          <p:nvSpPr>
+            <p:cNvPr id="21" name="Rektangel 20"/>
+            <p:cNvSpPr/>
+            <p:nvPr/>
+          </p:nvSpPr>
+          <p:spPr>
+            <a:xfrm>
+              <a:off x="4691794" y="2480991"/>
+              <a:ext cx="1822626" cy="305715"/>
+            </a:xfrm>
+            <a:prstGeom prst="rect">
+              <a:avLst/>
+            </a:prstGeom>
+            <a:scene3d>
+              <a:camera prst="orthographicFront"/>
+              <a:lightRig rig="threePt" dir="t"/>
+            </a:scene3d>
+            <a:sp3d>
+              <a:bevelT w="152400" h="50800" prst="softRound"/>
+            </a:sp3d>
+          </p:spPr>
+          <p:style>
+            <a:lnRef idx="2">
+              <a:schemeClr val="accent1">
+                <a:shade val="50000"/>
+              </a:schemeClr>
+            </a:lnRef>
+            <a:fillRef idx="1">
+              <a:schemeClr val="accent1"/>
+            </a:fillRef>
+            <a:effectRef idx="0">
+              <a:schemeClr val="accent1"/>
+            </a:effectRef>
+            <a:fontRef idx="minor">
+              <a:schemeClr val="lt1"/>
+            </a:fontRef>
+          </p:style>
+          <p:txBody>
+            <a:bodyPr rtlCol="0" anchor="ctr"/>
+            <a:lstStyle/>
+            <a:p>
+              <a:pPr algn="ctr"/>
+              <a:r>
+                <a:rPr lang="sv-SE" dirty="0" err="1" smtClean="0"/>
+                <a:t>Add</a:t>
+              </a:r>
+              <a:r>
+                <a:rPr lang="sv-SE" dirty="0" smtClean="0"/>
+                <a:t> new </a:t>
+              </a:r>
+              <a:r>
+                <a:rPr lang="sv-SE" dirty="0" err="1" smtClean="0"/>
+                <a:t>entry</a:t>
+              </a:r>
+              <a:r>
+                <a:rPr lang="sv-SE" dirty="0" smtClean="0"/>
+                <a:t> +</a:t>
+              </a:r>
+              <a:endParaRPr lang="sv-SE" dirty="0"/>
+            </a:p>
+          </p:txBody>
+        </p:sp>
+      </p:grpSp>
     </p:spTree>
     <p:extLst>
       <p:ext uri="{BB962C8B-B14F-4D97-AF65-F5344CB8AC3E}">
